--- a/pdf/18.1 - JSON.pptx
+++ b/pdf/18.1 - JSON.pptx
@@ -110,6 +110,11 @@
       </a:defRPr>
     </a:lvl9pPr>
   </p:defaultTextStyle>
+  <p:extLst>
+    <p:ext uri="{EFAFB233-063F-42B5-8137-9DF3F51BA10A}">
+      <p15:sldGuideLst xmlns:p15="http://schemas.microsoft.com/office/powerpoint/2012/main"/>
+    </p:ext>
+  </p:extLst>
 </p:presentation>
 </file>
 
@@ -260,7 +265,7 @@
           <a:p>
             <a:fld id="{FA7F69EB-75C9-482F-9F01-0B9A81D31CB5}" type="datetimeFigureOut">
               <a:rPr lang="en-US" smtClean="0"/>
-              <a:t>3/16/2024</a:t>
+              <a:t>4/21/2024</a:t>
             </a:fld>
             <a:endParaRPr lang="en-US"/>
           </a:p>
@@ -458,7 +463,7 @@
           <a:p>
             <a:fld id="{FA7F69EB-75C9-482F-9F01-0B9A81D31CB5}" type="datetimeFigureOut">
               <a:rPr lang="en-US" smtClean="0"/>
-              <a:t>3/16/2024</a:t>
+              <a:t>4/21/2024</a:t>
             </a:fld>
             <a:endParaRPr lang="en-US"/>
           </a:p>
@@ -666,7 +671,7 @@
           <a:p>
             <a:fld id="{FA7F69EB-75C9-482F-9F01-0B9A81D31CB5}" type="datetimeFigureOut">
               <a:rPr lang="en-US" smtClean="0"/>
-              <a:t>3/16/2024</a:t>
+              <a:t>4/21/2024</a:t>
             </a:fld>
             <a:endParaRPr lang="en-US"/>
           </a:p>
@@ -864,7 +869,7 @@
           <a:p>
             <a:fld id="{FA7F69EB-75C9-482F-9F01-0B9A81D31CB5}" type="datetimeFigureOut">
               <a:rPr lang="en-US" smtClean="0"/>
-              <a:t>3/16/2024</a:t>
+              <a:t>4/21/2024</a:t>
             </a:fld>
             <a:endParaRPr lang="en-US"/>
           </a:p>
@@ -1139,7 +1144,7 @@
           <a:p>
             <a:fld id="{FA7F69EB-75C9-482F-9F01-0B9A81D31CB5}" type="datetimeFigureOut">
               <a:rPr lang="en-US" smtClean="0"/>
-              <a:t>3/16/2024</a:t>
+              <a:t>4/21/2024</a:t>
             </a:fld>
             <a:endParaRPr lang="en-US"/>
           </a:p>
@@ -1404,7 +1409,7 @@
           <a:p>
             <a:fld id="{FA7F69EB-75C9-482F-9F01-0B9A81D31CB5}" type="datetimeFigureOut">
               <a:rPr lang="en-US" smtClean="0"/>
-              <a:t>3/16/2024</a:t>
+              <a:t>4/21/2024</a:t>
             </a:fld>
             <a:endParaRPr lang="en-US"/>
           </a:p>
@@ -1816,7 +1821,7 @@
           <a:p>
             <a:fld id="{FA7F69EB-75C9-482F-9F01-0B9A81D31CB5}" type="datetimeFigureOut">
               <a:rPr lang="en-US" smtClean="0"/>
-              <a:t>3/16/2024</a:t>
+              <a:t>4/21/2024</a:t>
             </a:fld>
             <a:endParaRPr lang="en-US"/>
           </a:p>
@@ -1957,7 +1962,7 @@
           <a:p>
             <a:fld id="{FA7F69EB-75C9-482F-9F01-0B9A81D31CB5}" type="datetimeFigureOut">
               <a:rPr lang="en-US" smtClean="0"/>
-              <a:t>3/16/2024</a:t>
+              <a:t>4/21/2024</a:t>
             </a:fld>
             <a:endParaRPr lang="en-US"/>
           </a:p>
@@ -2070,7 +2075,7 @@
           <a:p>
             <a:fld id="{FA7F69EB-75C9-482F-9F01-0B9A81D31CB5}" type="datetimeFigureOut">
               <a:rPr lang="en-US" smtClean="0"/>
-              <a:t>3/16/2024</a:t>
+              <a:t>4/21/2024</a:t>
             </a:fld>
             <a:endParaRPr lang="en-US"/>
           </a:p>
@@ -2381,7 +2386,7 @@
           <a:p>
             <a:fld id="{FA7F69EB-75C9-482F-9F01-0B9A81D31CB5}" type="datetimeFigureOut">
               <a:rPr lang="en-US" smtClean="0"/>
-              <a:t>3/16/2024</a:t>
+              <a:t>4/21/2024</a:t>
             </a:fld>
             <a:endParaRPr lang="en-US"/>
           </a:p>
@@ -2669,7 +2674,7 @@
           <a:p>
             <a:fld id="{FA7F69EB-75C9-482F-9F01-0B9A81D31CB5}" type="datetimeFigureOut">
               <a:rPr lang="en-US" smtClean="0"/>
-              <a:t>3/16/2024</a:t>
+              <a:t>4/21/2024</a:t>
             </a:fld>
             <a:endParaRPr lang="en-US"/>
           </a:p>
@@ -2910,7 +2915,7 @@
           <a:p>
             <a:fld id="{FA7F69EB-75C9-482F-9F01-0B9A81D31CB5}" type="datetimeFigureOut">
               <a:rPr lang="en-US" smtClean="0"/>
-              <a:t>3/16/2024</a:t>
+              <a:t>4/21/2024</a:t>
             </a:fld>
             <a:endParaRPr lang="en-US"/>
           </a:p>
@@ -3437,8 +3442,8 @@
         </p:nvSpPr>
         <p:spPr>
           <a:xfrm>
-            <a:off x="596019" y="528760"/>
-            <a:ext cx="10999961" cy="6128665"/>
+            <a:off x="596019" y="1053936"/>
+            <a:ext cx="10999961" cy="5078313"/>
           </a:xfrm>
           <a:prstGeom prst="rect">
             <a:avLst/>
@@ -3657,24 +3662,14 @@
               <a:t>JavaScript </a:t>
             </a:r>
             <a:r>
-              <a:rPr lang="en-US" sz="2400" b="1" i="0" dirty="0" err="1">
+              <a:rPr lang="en-US" sz="2400" b="1" i="0" smtClean="0">
                 <a:solidFill>
                   <a:srgbClr val="777777"/>
                 </a:solidFill>
                 <a:effectLst/>
                 <a:latin typeface="Open Sans" panose="020F0502020204030204" pitchFamily="34" charset="0"/>
               </a:rPr>
-              <a:t>Objektum</a:t>
-            </a:r>
-            <a:r>
-              <a:rPr lang="en-US" sz="2400" b="1" i="0" dirty="0">
-                <a:solidFill>
-                  <a:srgbClr val="777777"/>
-                </a:solidFill>
-                <a:effectLst/>
-                <a:latin typeface="Open Sans" panose="020F0502020204030204" pitchFamily="34" charset="0"/>
-              </a:rPr>
-              <a:t> </a:t>
+              <a:t>Objektum </a:t>
             </a:r>
             <a:r>
               <a:rPr lang="en-US" sz="2400" b="1" i="0" dirty="0" err="1">
